--- a/Assets/StreamingAssets/2D_Objects/Farm/Instructions.pptx
+++ b/Assets/StreamingAssets/2D_Objects/Farm/Instructions.pptx
@@ -111,6 +111,11 @@
       </a:defRPr>
     </a:lvl9pPr>
   </p:defaultTextStyle>
+  <p:extLst>
+    <p:ext uri="{EFAFB233-063F-42B5-8137-9DF3F51BA10A}">
+      <p15:sldGuideLst xmlns:p15="http://schemas.microsoft.com/office/powerpoint/2012/main"/>
+    </p:ext>
+  </p:extLst>
 </p:presentation>
 </file>
 
@@ -261,7 +266,7 @@
           <a:p>
             <a:fld id="{C924582D-B4F8-4A2F-8F4E-5936668585D1}" type="datetimeFigureOut">
               <a:rPr lang="en-US" smtClean="0"/>
-              <a:t>6/29/2020</a:t>
+              <a:t>7/3/2020</a:t>
             </a:fld>
             <a:endParaRPr lang="en-US"/>
           </a:p>
@@ -459,7 +464,7 @@
           <a:p>
             <a:fld id="{C924582D-B4F8-4A2F-8F4E-5936668585D1}" type="datetimeFigureOut">
               <a:rPr lang="en-US" smtClean="0"/>
-              <a:t>6/29/2020</a:t>
+              <a:t>7/3/2020</a:t>
             </a:fld>
             <a:endParaRPr lang="en-US"/>
           </a:p>
@@ -667,7 +672,7 @@
           <a:p>
             <a:fld id="{C924582D-B4F8-4A2F-8F4E-5936668585D1}" type="datetimeFigureOut">
               <a:rPr lang="en-US" smtClean="0"/>
-              <a:t>6/29/2020</a:t>
+              <a:t>7/3/2020</a:t>
             </a:fld>
             <a:endParaRPr lang="en-US"/>
           </a:p>
@@ -865,7 +870,7 @@
           <a:p>
             <a:fld id="{C924582D-B4F8-4A2F-8F4E-5936668585D1}" type="datetimeFigureOut">
               <a:rPr lang="en-US" smtClean="0"/>
-              <a:t>6/29/2020</a:t>
+              <a:t>7/3/2020</a:t>
             </a:fld>
             <a:endParaRPr lang="en-US"/>
           </a:p>
@@ -1140,7 +1145,7 @@
           <a:p>
             <a:fld id="{C924582D-B4F8-4A2F-8F4E-5936668585D1}" type="datetimeFigureOut">
               <a:rPr lang="en-US" smtClean="0"/>
-              <a:t>6/29/2020</a:t>
+              <a:t>7/3/2020</a:t>
             </a:fld>
             <a:endParaRPr lang="en-US"/>
           </a:p>
@@ -1405,7 +1410,7 @@
           <a:p>
             <a:fld id="{C924582D-B4F8-4A2F-8F4E-5936668585D1}" type="datetimeFigureOut">
               <a:rPr lang="en-US" smtClean="0"/>
-              <a:t>6/29/2020</a:t>
+              <a:t>7/3/2020</a:t>
             </a:fld>
             <a:endParaRPr lang="en-US"/>
           </a:p>
@@ -1817,7 +1822,7 @@
           <a:p>
             <a:fld id="{C924582D-B4F8-4A2F-8F4E-5936668585D1}" type="datetimeFigureOut">
               <a:rPr lang="en-US" smtClean="0"/>
-              <a:t>6/29/2020</a:t>
+              <a:t>7/3/2020</a:t>
             </a:fld>
             <a:endParaRPr lang="en-US"/>
           </a:p>
@@ -1958,7 +1963,7 @@
           <a:p>
             <a:fld id="{C924582D-B4F8-4A2F-8F4E-5936668585D1}" type="datetimeFigureOut">
               <a:rPr lang="en-US" smtClean="0"/>
-              <a:t>6/29/2020</a:t>
+              <a:t>7/3/2020</a:t>
             </a:fld>
             <a:endParaRPr lang="en-US"/>
           </a:p>
@@ -2071,7 +2076,7 @@
           <a:p>
             <a:fld id="{C924582D-B4F8-4A2F-8F4E-5936668585D1}" type="datetimeFigureOut">
               <a:rPr lang="en-US" smtClean="0"/>
-              <a:t>6/29/2020</a:t>
+              <a:t>7/3/2020</a:t>
             </a:fld>
             <a:endParaRPr lang="en-US"/>
           </a:p>
@@ -2382,7 +2387,7 @@
           <a:p>
             <a:fld id="{C924582D-B4F8-4A2F-8F4E-5936668585D1}" type="datetimeFigureOut">
               <a:rPr lang="en-US" smtClean="0"/>
-              <a:t>6/29/2020</a:t>
+              <a:t>7/3/2020</a:t>
             </a:fld>
             <a:endParaRPr lang="en-US"/>
           </a:p>
@@ -2670,7 +2675,7 @@
           <a:p>
             <a:fld id="{C924582D-B4F8-4A2F-8F4E-5936668585D1}" type="datetimeFigureOut">
               <a:rPr lang="en-US" smtClean="0"/>
-              <a:t>6/29/2020</a:t>
+              <a:t>7/3/2020</a:t>
             </a:fld>
             <a:endParaRPr lang="en-US"/>
           </a:p>
@@ -2911,7 +2916,7 @@
           <a:p>
             <a:fld id="{C924582D-B4F8-4A2F-8F4E-5936668585D1}" type="datetimeFigureOut">
               <a:rPr lang="en-US" smtClean="0"/>
-              <a:t>6/29/2020</a:t>
+              <a:t>7/3/2020</a:t>
             </a:fld>
             <a:endParaRPr lang="en-US"/>
           </a:p>
@@ -4318,12 +4323,12 @@
           <a:lstStyle/>
           <a:p>
             <a:r>
-              <a:rPr lang="en-US" sz="3600">
+              <a:rPr lang="en-US" sz="3600" dirty="0">
                 <a:solidFill>
                   <a:srgbClr val="FFFFFF"/>
                 </a:solidFill>
               </a:rPr>
-              <a:t>Feed the Goat!</a:t>
+              <a:t>Feed the Sheep!</a:t>
             </a:r>
           </a:p>
         </p:txBody>
@@ -4404,10 +4409,10 @@
       </p:sp>
       <p:pic>
         <p:nvPicPr>
-          <p:cNvPr id="4" name="Picture 3">
-            <a:extLst>
-              <a:ext uri="{FF2B5EF4-FFF2-40B4-BE49-F238E27FC236}">
-                <a16:creationId xmlns:a16="http://schemas.microsoft.com/office/drawing/2014/main" id="{3A1B162A-80D5-4934-B8D6-8A63599C3C4A}"/>
+          <p:cNvPr id="3" name="Picture 2">
+            <a:extLst>
+              <a:ext uri="{FF2B5EF4-FFF2-40B4-BE49-F238E27FC236}">
+                <a16:creationId xmlns:a16="http://schemas.microsoft.com/office/drawing/2014/main" id="{0A0D2C23-87CF-44ED-8113-CC2B8532898B}"/>
               </a:ext>
             </a:extLst>
           </p:cNvPr>
@@ -4416,20 +4421,20 @@
           </p:cNvPicPr>
           <p:nvPr/>
         </p:nvPicPr>
-        <p:blipFill rotWithShape="1">
+        <p:blipFill>
           <a:blip r:embed="rId2"/>
-          <a:srcRect t="1391" b="2715"/>
-          <a:stretch/>
+          <a:stretch>
+            <a:fillRect/>
+          </a:stretch>
         </p:blipFill>
         <p:spPr>
           <a:xfrm>
-            <a:off x="976251" y="942538"/>
-            <a:ext cx="7163222" cy="4808332"/>
+            <a:off x="1749599" y="1393466"/>
+            <a:ext cx="5469350" cy="3906476"/>
           </a:xfrm>
           <a:prstGeom prst="rect">
             <a:avLst/>
           </a:prstGeom>
-          <a:effectLst/>
         </p:spPr>
       </p:pic>
     </p:spTree>

--- a/Assets/StreamingAssets/2D_Objects/Farm/Instructions.pptx
+++ b/Assets/StreamingAssets/2D_Objects/Farm/Instructions.pptx
@@ -266,7 +266,7 @@
           <a:p>
             <a:fld id="{C924582D-B4F8-4A2F-8F4E-5936668585D1}" type="datetimeFigureOut">
               <a:rPr lang="en-US" smtClean="0"/>
-              <a:t>7/3/2020</a:t>
+              <a:t>7/6/2020</a:t>
             </a:fld>
             <a:endParaRPr lang="en-US"/>
           </a:p>
@@ -464,7 +464,7 @@
           <a:p>
             <a:fld id="{C924582D-B4F8-4A2F-8F4E-5936668585D1}" type="datetimeFigureOut">
               <a:rPr lang="en-US" smtClean="0"/>
-              <a:t>7/3/2020</a:t>
+              <a:t>7/6/2020</a:t>
             </a:fld>
             <a:endParaRPr lang="en-US"/>
           </a:p>
@@ -672,7 +672,7 @@
           <a:p>
             <a:fld id="{C924582D-B4F8-4A2F-8F4E-5936668585D1}" type="datetimeFigureOut">
               <a:rPr lang="en-US" smtClean="0"/>
-              <a:t>7/3/2020</a:t>
+              <a:t>7/6/2020</a:t>
             </a:fld>
             <a:endParaRPr lang="en-US"/>
           </a:p>
@@ -870,7 +870,7 @@
           <a:p>
             <a:fld id="{C924582D-B4F8-4A2F-8F4E-5936668585D1}" type="datetimeFigureOut">
               <a:rPr lang="en-US" smtClean="0"/>
-              <a:t>7/3/2020</a:t>
+              <a:t>7/6/2020</a:t>
             </a:fld>
             <a:endParaRPr lang="en-US"/>
           </a:p>
@@ -1145,7 +1145,7 @@
           <a:p>
             <a:fld id="{C924582D-B4F8-4A2F-8F4E-5936668585D1}" type="datetimeFigureOut">
               <a:rPr lang="en-US" smtClean="0"/>
-              <a:t>7/3/2020</a:t>
+              <a:t>7/6/2020</a:t>
             </a:fld>
             <a:endParaRPr lang="en-US"/>
           </a:p>
@@ -1410,7 +1410,7 @@
           <a:p>
             <a:fld id="{C924582D-B4F8-4A2F-8F4E-5936668585D1}" type="datetimeFigureOut">
               <a:rPr lang="en-US" smtClean="0"/>
-              <a:t>7/3/2020</a:t>
+              <a:t>7/6/2020</a:t>
             </a:fld>
             <a:endParaRPr lang="en-US"/>
           </a:p>
@@ -1822,7 +1822,7 @@
           <a:p>
             <a:fld id="{C924582D-B4F8-4A2F-8F4E-5936668585D1}" type="datetimeFigureOut">
               <a:rPr lang="en-US" smtClean="0"/>
-              <a:t>7/3/2020</a:t>
+              <a:t>7/6/2020</a:t>
             </a:fld>
             <a:endParaRPr lang="en-US"/>
           </a:p>
@@ -1963,7 +1963,7 @@
           <a:p>
             <a:fld id="{C924582D-B4F8-4A2F-8F4E-5936668585D1}" type="datetimeFigureOut">
               <a:rPr lang="en-US" smtClean="0"/>
-              <a:t>7/3/2020</a:t>
+              <a:t>7/6/2020</a:t>
             </a:fld>
             <a:endParaRPr lang="en-US"/>
           </a:p>
@@ -2076,7 +2076,7 @@
           <a:p>
             <a:fld id="{C924582D-B4F8-4A2F-8F4E-5936668585D1}" type="datetimeFigureOut">
               <a:rPr lang="en-US" smtClean="0"/>
-              <a:t>7/3/2020</a:t>
+              <a:t>7/6/2020</a:t>
             </a:fld>
             <a:endParaRPr lang="en-US"/>
           </a:p>
@@ -2387,7 +2387,7 @@
           <a:p>
             <a:fld id="{C924582D-B4F8-4A2F-8F4E-5936668585D1}" type="datetimeFigureOut">
               <a:rPr lang="en-US" smtClean="0"/>
-              <a:t>7/3/2020</a:t>
+              <a:t>7/6/2020</a:t>
             </a:fld>
             <a:endParaRPr lang="en-US"/>
           </a:p>
@@ -2675,7 +2675,7 @@
           <a:p>
             <a:fld id="{C924582D-B4F8-4A2F-8F4E-5936668585D1}" type="datetimeFigureOut">
               <a:rPr lang="en-US" smtClean="0"/>
-              <a:t>7/3/2020</a:t>
+              <a:t>7/6/2020</a:t>
             </a:fld>
             <a:endParaRPr lang="en-US"/>
           </a:p>
@@ -2916,7 +2916,7 @@
           <a:p>
             <a:fld id="{C924582D-B4F8-4A2F-8F4E-5936668585D1}" type="datetimeFigureOut">
               <a:rPr lang="en-US" smtClean="0"/>
-              <a:t>7/3/2020</a:t>
+              <a:t>7/6/2020</a:t>
             </a:fld>
             <a:endParaRPr lang="en-US"/>
           </a:p>
@@ -3413,6 +3413,41 @@
           </a:extLst>
         </p:spPr>
       </p:pic>
+      <p:sp>
+        <p:nvSpPr>
+          <p:cNvPr id="3" name="TextBox 2">
+            <a:extLst>
+              <a:ext uri="{FF2B5EF4-FFF2-40B4-BE49-F238E27FC236}">
+                <a16:creationId xmlns:a16="http://schemas.microsoft.com/office/drawing/2014/main" id="{B01F1F47-F41B-4595-AB79-C7FFCC3CE4FF}"/>
+              </a:ext>
+            </a:extLst>
+          </p:cNvPr>
+          <p:cNvSpPr txBox="1"/>
+          <p:nvPr/>
+        </p:nvSpPr>
+        <p:spPr>
+          <a:xfrm>
+            <a:off x="4724789" y="6167044"/>
+            <a:ext cx="2742417" cy="369332"/>
+          </a:xfrm>
+          <a:prstGeom prst="rect">
+            <a:avLst/>
+          </a:prstGeom>
+          <a:noFill/>
+        </p:spPr>
+        <p:txBody>
+          <a:bodyPr wrap="none" rtlCol="0">
+            <a:spAutoFit/>
+          </a:bodyPr>
+          <a:lstStyle/>
+          <a:p>
+            <a:r>
+              <a:rPr lang="en-US" dirty="0"/>
+              <a:t>PRESS SPACE TO CONTINUE</a:t>
+            </a:r>
+          </a:p>
+        </p:txBody>
+      </p:sp>
     </p:spTree>
     <p:extLst>
       <p:ext uri="{BB962C8B-B14F-4D97-AF65-F5344CB8AC3E}">
@@ -3515,7 +3550,7 @@
         </p:spPr>
         <p:txBody>
           <a:bodyPr vert="horz" lIns="91440" tIns="45720" rIns="91440" bIns="45720" rtlCol="0" anchor="b">
-            <a:normAutofit fontScale="62500" lnSpcReduction="20000"/>
+            <a:normAutofit fontScale="40000" lnSpcReduction="20000"/>
           </a:bodyPr>
           <a:lstStyle>
             <a:lvl1pPr algn="ctr" defTabSz="914400" rtl="0" eaLnBrk="1" latinLnBrk="0" hangingPunct="1">
@@ -3544,207 +3579,16 @@
             </a:pPr>
             <a:r>
               <a:rPr lang="en-US" dirty="0"/>
-              <a:t>The animals are hungry, and we need you to feed them! </a:t>
-            </a:r>
-          </a:p>
-        </p:txBody>
-      </p:sp>
-      <p:sp>
-        <p:nvSpPr>
-          <p:cNvPr id="7" name="Content Placeholder 2">
-            <a:extLst>
-              <a:ext uri="{FF2B5EF4-FFF2-40B4-BE49-F238E27FC236}">
-                <a16:creationId xmlns:a16="http://schemas.microsoft.com/office/drawing/2014/main" id="{5F81C4A0-8633-435C-BA4D-2F808E32ABCE}"/>
-              </a:ext>
-            </a:extLst>
-          </p:cNvPr>
-          <p:cNvSpPr txBox="1">
-            <a:spLocks/>
-          </p:cNvSpPr>
-          <p:nvPr/>
-        </p:nvSpPr>
-        <p:spPr>
-          <a:xfrm>
-            <a:off x="1016619" y="5854390"/>
-            <a:ext cx="10515600" cy="1003610"/>
-          </a:xfrm>
-          <a:prstGeom prst="rect">
-            <a:avLst/>
-          </a:prstGeom>
-        </p:spPr>
-        <p:txBody>
-          <a:bodyPr vert="horz" lIns="91440" tIns="45720" rIns="91440" bIns="45720" rtlCol="0">
-            <a:normAutofit/>
-          </a:bodyPr>
-          <a:lstStyle>
-            <a:lvl1pPr marL="0" indent="0" algn="ctr" defTabSz="914400" rtl="0" eaLnBrk="1" latinLnBrk="0" hangingPunct="1">
+              <a:t>The animals are hungry, and we need you to feed them! Walk up to the animal to feed them! When you feed them, they will thank you with a sound!</a:t>
+            </a:r>
+          </a:p>
+          <a:p>
+            <a:pPr>
               <a:lnSpc>
-                <a:spcPct val="90000"/>
+                <a:spcPct val="120000"/>
               </a:lnSpc>
-              <a:spcBef>
-                <a:spcPts val="1000"/>
-              </a:spcBef>
-              <a:buFont typeface="Arial" panose="020B0604020202020204" pitchFamily="34" charset="0"/>
-              <a:buNone/>
-              <a:defRPr sz="2400" kern="1200">
-                <a:solidFill>
-                  <a:schemeClr val="tx1"/>
-                </a:solidFill>
-                <a:latin typeface="+mn-lt"/>
-                <a:ea typeface="+mn-ea"/>
-                <a:cs typeface="+mn-cs"/>
-              </a:defRPr>
-            </a:lvl1pPr>
-            <a:lvl2pPr marL="457200" indent="0" algn="ctr" defTabSz="914400" rtl="0" eaLnBrk="1" latinLnBrk="0" hangingPunct="1">
-              <a:lnSpc>
-                <a:spcPct val="90000"/>
-              </a:lnSpc>
-              <a:spcBef>
-                <a:spcPts val="500"/>
-              </a:spcBef>
-              <a:buFont typeface="Arial" panose="020B0604020202020204" pitchFamily="34" charset="0"/>
-              <a:buNone/>
-              <a:defRPr sz="2000" kern="1200">
-                <a:solidFill>
-                  <a:schemeClr val="tx1"/>
-                </a:solidFill>
-                <a:latin typeface="+mn-lt"/>
-                <a:ea typeface="+mn-ea"/>
-                <a:cs typeface="+mn-cs"/>
-              </a:defRPr>
-            </a:lvl2pPr>
-            <a:lvl3pPr marL="914400" indent="0" algn="ctr" defTabSz="914400" rtl="0" eaLnBrk="1" latinLnBrk="0" hangingPunct="1">
-              <a:lnSpc>
-                <a:spcPct val="90000"/>
-              </a:lnSpc>
-              <a:spcBef>
-                <a:spcPts val="500"/>
-              </a:spcBef>
-              <a:buFont typeface="Arial" panose="020B0604020202020204" pitchFamily="34" charset="0"/>
-              <a:buNone/>
-              <a:defRPr sz="1800" kern="1200">
-                <a:solidFill>
-                  <a:schemeClr val="tx1"/>
-                </a:solidFill>
-                <a:latin typeface="+mn-lt"/>
-                <a:ea typeface="+mn-ea"/>
-                <a:cs typeface="+mn-cs"/>
-              </a:defRPr>
-            </a:lvl3pPr>
-            <a:lvl4pPr marL="1371600" indent="0" algn="ctr" defTabSz="914400" rtl="0" eaLnBrk="1" latinLnBrk="0" hangingPunct="1">
-              <a:lnSpc>
-                <a:spcPct val="90000"/>
-              </a:lnSpc>
-              <a:spcBef>
-                <a:spcPts val="500"/>
-              </a:spcBef>
-              <a:buFont typeface="Arial" panose="020B0604020202020204" pitchFamily="34" charset="0"/>
-              <a:buNone/>
-              <a:defRPr sz="1600" kern="1200">
-                <a:solidFill>
-                  <a:schemeClr val="tx1"/>
-                </a:solidFill>
-                <a:latin typeface="+mn-lt"/>
-                <a:ea typeface="+mn-ea"/>
-                <a:cs typeface="+mn-cs"/>
-              </a:defRPr>
-            </a:lvl4pPr>
-            <a:lvl5pPr marL="1828800" indent="0" algn="ctr" defTabSz="914400" rtl="0" eaLnBrk="1" latinLnBrk="0" hangingPunct="1">
-              <a:lnSpc>
-                <a:spcPct val="90000"/>
-              </a:lnSpc>
-              <a:spcBef>
-                <a:spcPts val="500"/>
-              </a:spcBef>
-              <a:buFont typeface="Arial" panose="020B0604020202020204" pitchFamily="34" charset="0"/>
-              <a:buNone/>
-              <a:defRPr sz="1600" kern="1200">
-                <a:solidFill>
-                  <a:schemeClr val="tx1"/>
-                </a:solidFill>
-                <a:latin typeface="+mn-lt"/>
-                <a:ea typeface="+mn-ea"/>
-                <a:cs typeface="+mn-cs"/>
-              </a:defRPr>
-            </a:lvl5pPr>
-            <a:lvl6pPr marL="2286000" indent="0" algn="ctr" defTabSz="914400" rtl="0" eaLnBrk="1" latinLnBrk="0" hangingPunct="1">
-              <a:lnSpc>
-                <a:spcPct val="90000"/>
-              </a:lnSpc>
-              <a:spcBef>
-                <a:spcPts val="500"/>
-              </a:spcBef>
-              <a:buFont typeface="Arial" panose="020B0604020202020204" pitchFamily="34" charset="0"/>
-              <a:buNone/>
-              <a:defRPr sz="1600" kern="1200">
-                <a:solidFill>
-                  <a:schemeClr val="tx1"/>
-                </a:solidFill>
-                <a:latin typeface="+mn-lt"/>
-                <a:ea typeface="+mn-ea"/>
-                <a:cs typeface="+mn-cs"/>
-              </a:defRPr>
-            </a:lvl6pPr>
-            <a:lvl7pPr marL="2743200" indent="0" algn="ctr" defTabSz="914400" rtl="0" eaLnBrk="1" latinLnBrk="0" hangingPunct="1">
-              <a:lnSpc>
-                <a:spcPct val="90000"/>
-              </a:lnSpc>
-              <a:spcBef>
-                <a:spcPts val="500"/>
-              </a:spcBef>
-              <a:buFont typeface="Arial" panose="020B0604020202020204" pitchFamily="34" charset="0"/>
-              <a:buNone/>
-              <a:defRPr sz="1600" kern="1200">
-                <a:solidFill>
-                  <a:schemeClr val="tx1"/>
-                </a:solidFill>
-                <a:latin typeface="+mn-lt"/>
-                <a:ea typeface="+mn-ea"/>
-                <a:cs typeface="+mn-cs"/>
-              </a:defRPr>
-            </a:lvl7pPr>
-            <a:lvl8pPr marL="3200400" indent="0" algn="ctr" defTabSz="914400" rtl="0" eaLnBrk="1" latinLnBrk="0" hangingPunct="1">
-              <a:lnSpc>
-                <a:spcPct val="90000"/>
-              </a:lnSpc>
-              <a:spcBef>
-                <a:spcPts val="500"/>
-              </a:spcBef>
-              <a:buFont typeface="Arial" panose="020B0604020202020204" pitchFamily="34" charset="0"/>
-              <a:buNone/>
-              <a:defRPr sz="1600" kern="1200">
-                <a:solidFill>
-                  <a:schemeClr val="tx1"/>
-                </a:solidFill>
-                <a:latin typeface="+mn-lt"/>
-                <a:ea typeface="+mn-ea"/>
-                <a:cs typeface="+mn-cs"/>
-              </a:defRPr>
-            </a:lvl8pPr>
-            <a:lvl9pPr marL="3657600" indent="0" algn="ctr" defTabSz="914400" rtl="0" eaLnBrk="1" latinLnBrk="0" hangingPunct="1">
-              <a:lnSpc>
-                <a:spcPct val="90000"/>
-              </a:lnSpc>
-              <a:spcBef>
-                <a:spcPts val="500"/>
-              </a:spcBef>
-              <a:buFont typeface="Arial" panose="020B0604020202020204" pitchFamily="34" charset="0"/>
-              <a:buNone/>
-              <a:defRPr sz="1600" kern="1200">
-                <a:solidFill>
-                  <a:schemeClr val="tx1"/>
-                </a:solidFill>
-                <a:latin typeface="+mn-lt"/>
-                <a:ea typeface="+mn-ea"/>
-                <a:cs typeface="+mn-cs"/>
-              </a:defRPr>
-            </a:lvl9pPr>
-          </a:lstStyle>
-          <a:p>
-            <a:r>
-              <a:rPr lang="en-US" dirty="0"/>
-              <a:t>Walk up to the animal to feed them! When you feed them, they will thank you with a sound!</a:t>
-            </a:r>
+            </a:pPr>
+            <a:endParaRPr lang="en-US" dirty="0"/>
           </a:p>
         </p:txBody>
       </p:sp>
@@ -3947,6 +3791,41 @@
           </a:p>
         </p:txBody>
       </p:sp>
+      <p:sp>
+        <p:nvSpPr>
+          <p:cNvPr id="8" name="TextBox 7">
+            <a:extLst>
+              <a:ext uri="{FF2B5EF4-FFF2-40B4-BE49-F238E27FC236}">
+                <a16:creationId xmlns:a16="http://schemas.microsoft.com/office/drawing/2014/main" id="{D2B5EC64-AE3D-4D2F-BC37-6FBC6108CD9A}"/>
+              </a:ext>
+            </a:extLst>
+          </p:cNvPr>
+          <p:cNvSpPr txBox="1"/>
+          <p:nvPr/>
+        </p:nvSpPr>
+        <p:spPr>
+          <a:xfrm>
+            <a:off x="4724789" y="6167044"/>
+            <a:ext cx="2742417" cy="369332"/>
+          </a:xfrm>
+          <a:prstGeom prst="rect">
+            <a:avLst/>
+          </a:prstGeom>
+          <a:noFill/>
+        </p:spPr>
+        <p:txBody>
+          <a:bodyPr wrap="none" rtlCol="0">
+            <a:spAutoFit/>
+          </a:bodyPr>
+          <a:lstStyle/>
+          <a:p>
+            <a:r>
+              <a:rPr lang="en-US" dirty="0"/>
+              <a:t>PRESS SPACE TO CONTINUE</a:t>
+            </a:r>
+          </a:p>
+        </p:txBody>
+      </p:sp>
     </p:spTree>
     <p:extLst>
       <p:ext uri="{BB962C8B-B14F-4D97-AF65-F5344CB8AC3E}">
@@ -4015,10 +3894,10 @@
       </p:sp>
       <p:pic>
         <p:nvPicPr>
-          <p:cNvPr id="6" name="Picture 5" descr="A picture containing drawing&#10;&#10;Description automatically generated">
-            <a:extLst>
-              <a:ext uri="{FF2B5EF4-FFF2-40B4-BE49-F238E27FC236}">
-                <a16:creationId xmlns:a16="http://schemas.microsoft.com/office/drawing/2014/main" id="{0BE63F08-EF50-4111-946D-D8CF7FFE2411}"/>
+          <p:cNvPr id="3" name="Graphic 2">
+            <a:extLst>
+              <a:ext uri="{FF2B5EF4-FFF2-40B4-BE49-F238E27FC236}">
+                <a16:creationId xmlns:a16="http://schemas.microsoft.com/office/drawing/2014/main" id="{636999DE-132A-4BB0-97D2-F0294524AA83}"/>
               </a:ext>
             </a:extLst>
           </p:cNvPr>
@@ -4030,8 +3909,8 @@
         <p:blipFill>
           <a:blip r:embed="rId2">
             <a:extLst>
-              <a:ext uri="{28A0092B-C50C-407E-A947-70E740481C1C}">
-                <a14:useLocalDpi xmlns:a14="http://schemas.microsoft.com/office/drawing/2010/main" val="0"/>
+              <a:ext uri="{96DAC541-7B7A-43D3-8B79-37D633B846F1}">
+                <asvg:svgBlip xmlns:asvg="http://schemas.microsoft.com/office/drawing/2016/SVG/main" r:embed="rId3"/>
               </a:ext>
             </a:extLst>
           </a:blip>
@@ -4041,14 +3920,49 @@
         </p:blipFill>
         <p:spPr>
           <a:xfrm>
-            <a:off x="5045612" y="2490160"/>
-            <a:ext cx="2100776" cy="4126288"/>
+            <a:off x="4861975" y="2363372"/>
+            <a:ext cx="2193829" cy="3902002"/>
           </a:xfrm>
           <a:prstGeom prst="rect">
             <a:avLst/>
           </a:prstGeom>
         </p:spPr>
       </p:pic>
+      <p:sp>
+        <p:nvSpPr>
+          <p:cNvPr id="7" name="TextBox 6">
+            <a:extLst>
+              <a:ext uri="{FF2B5EF4-FFF2-40B4-BE49-F238E27FC236}">
+                <a16:creationId xmlns:a16="http://schemas.microsoft.com/office/drawing/2014/main" id="{1542D1A0-726B-49BB-B9FC-FD339624C901}"/>
+              </a:ext>
+            </a:extLst>
+          </p:cNvPr>
+          <p:cNvSpPr txBox="1"/>
+          <p:nvPr/>
+        </p:nvSpPr>
+        <p:spPr>
+          <a:xfrm>
+            <a:off x="4669788" y="6414551"/>
+            <a:ext cx="2742417" cy="369332"/>
+          </a:xfrm>
+          <a:prstGeom prst="rect">
+            <a:avLst/>
+          </a:prstGeom>
+          <a:noFill/>
+        </p:spPr>
+        <p:txBody>
+          <a:bodyPr wrap="none" rtlCol="0">
+            <a:spAutoFit/>
+          </a:bodyPr>
+          <a:lstStyle/>
+          <a:p>
+            <a:r>
+              <a:rPr lang="en-US" dirty="0"/>
+              <a:t>PRESS SPACE TO CONTINUE</a:t>
+            </a:r>
+          </a:p>
+        </p:txBody>
+      </p:sp>
     </p:spTree>
     <p:extLst>
       <p:ext uri="{BB962C8B-B14F-4D97-AF65-F5344CB8AC3E}">

--- a/Assets/StreamingAssets/2D_Objects/Farm/Instructions.pptx
+++ b/Assets/StreamingAssets/2D_Objects/Farm/Instructions.pptx
@@ -12,7 +12,8 @@
     <p:sldId id="260" r:id="rId6"/>
     <p:sldId id="262" r:id="rId7"/>
     <p:sldId id="259" r:id="rId8"/>
-    <p:sldId id="263" r:id="rId9"/>
+    <p:sldId id="265" r:id="rId9"/>
+    <p:sldId id="263" r:id="rId10"/>
   </p:sldIdLst>
   <p:sldSz cx="12192000" cy="6858000"/>
   <p:notesSz cx="6858000" cy="9144000"/>
@@ -266,7 +267,7 @@
           <a:p>
             <a:fld id="{C924582D-B4F8-4A2F-8F4E-5936668585D1}" type="datetimeFigureOut">
               <a:rPr lang="en-US" smtClean="0"/>
-              <a:t>7/6/2020</a:t>
+              <a:t>7/8/2020</a:t>
             </a:fld>
             <a:endParaRPr lang="en-US"/>
           </a:p>
@@ -464,7 +465,7 @@
           <a:p>
             <a:fld id="{C924582D-B4F8-4A2F-8F4E-5936668585D1}" type="datetimeFigureOut">
               <a:rPr lang="en-US" smtClean="0"/>
-              <a:t>7/6/2020</a:t>
+              <a:t>7/8/2020</a:t>
             </a:fld>
             <a:endParaRPr lang="en-US"/>
           </a:p>
@@ -672,7 +673,7 @@
           <a:p>
             <a:fld id="{C924582D-B4F8-4A2F-8F4E-5936668585D1}" type="datetimeFigureOut">
               <a:rPr lang="en-US" smtClean="0"/>
-              <a:t>7/6/2020</a:t>
+              <a:t>7/8/2020</a:t>
             </a:fld>
             <a:endParaRPr lang="en-US"/>
           </a:p>
@@ -870,7 +871,7 @@
           <a:p>
             <a:fld id="{C924582D-B4F8-4A2F-8F4E-5936668585D1}" type="datetimeFigureOut">
               <a:rPr lang="en-US" smtClean="0"/>
-              <a:t>7/6/2020</a:t>
+              <a:t>7/8/2020</a:t>
             </a:fld>
             <a:endParaRPr lang="en-US"/>
           </a:p>
@@ -1145,7 +1146,7 @@
           <a:p>
             <a:fld id="{C924582D-B4F8-4A2F-8F4E-5936668585D1}" type="datetimeFigureOut">
               <a:rPr lang="en-US" smtClean="0"/>
-              <a:t>7/6/2020</a:t>
+              <a:t>7/8/2020</a:t>
             </a:fld>
             <a:endParaRPr lang="en-US"/>
           </a:p>
@@ -1410,7 +1411,7 @@
           <a:p>
             <a:fld id="{C924582D-B4F8-4A2F-8F4E-5936668585D1}" type="datetimeFigureOut">
               <a:rPr lang="en-US" smtClean="0"/>
-              <a:t>7/6/2020</a:t>
+              <a:t>7/8/2020</a:t>
             </a:fld>
             <a:endParaRPr lang="en-US"/>
           </a:p>
@@ -1822,7 +1823,7 @@
           <a:p>
             <a:fld id="{C924582D-B4F8-4A2F-8F4E-5936668585D1}" type="datetimeFigureOut">
               <a:rPr lang="en-US" smtClean="0"/>
-              <a:t>7/6/2020</a:t>
+              <a:t>7/8/2020</a:t>
             </a:fld>
             <a:endParaRPr lang="en-US"/>
           </a:p>
@@ -1963,7 +1964,7 @@
           <a:p>
             <a:fld id="{C924582D-B4F8-4A2F-8F4E-5936668585D1}" type="datetimeFigureOut">
               <a:rPr lang="en-US" smtClean="0"/>
-              <a:t>7/6/2020</a:t>
+              <a:t>7/8/2020</a:t>
             </a:fld>
             <a:endParaRPr lang="en-US"/>
           </a:p>
@@ -2076,7 +2077,7 @@
           <a:p>
             <a:fld id="{C924582D-B4F8-4A2F-8F4E-5936668585D1}" type="datetimeFigureOut">
               <a:rPr lang="en-US" smtClean="0"/>
-              <a:t>7/6/2020</a:t>
+              <a:t>7/8/2020</a:t>
             </a:fld>
             <a:endParaRPr lang="en-US"/>
           </a:p>
@@ -2387,7 +2388,7 @@
           <a:p>
             <a:fld id="{C924582D-B4F8-4A2F-8F4E-5936668585D1}" type="datetimeFigureOut">
               <a:rPr lang="en-US" smtClean="0"/>
-              <a:t>7/6/2020</a:t>
+              <a:t>7/8/2020</a:t>
             </a:fld>
             <a:endParaRPr lang="en-US"/>
           </a:p>
@@ -2675,7 +2676,7 @@
           <a:p>
             <a:fld id="{C924582D-B4F8-4A2F-8F4E-5936668585D1}" type="datetimeFigureOut">
               <a:rPr lang="en-US" smtClean="0"/>
-              <a:t>7/6/2020</a:t>
+              <a:t>7/8/2020</a:t>
             </a:fld>
             <a:endParaRPr lang="en-US"/>
           </a:p>
@@ -2916,7 +2917,7 @@
           <a:p>
             <a:fld id="{C924582D-B4F8-4A2F-8F4E-5936668585D1}" type="datetimeFigureOut">
               <a:rPr lang="en-US" smtClean="0"/>
-              <a:t>7/6/2020</a:t>
+              <a:t>7/8/2020</a:t>
             </a:fld>
             <a:endParaRPr lang="en-US"/>
           </a:p>
@@ -4855,6 +4856,84 @@
 <file path=ppt/slides/slide8.xml><?xml version="1.0" encoding="utf-8"?>
 <p:sld xmlns:a="http://schemas.openxmlformats.org/drawingml/2006/main" xmlns:r="http://schemas.openxmlformats.org/officeDocument/2006/relationships" xmlns:p="http://schemas.openxmlformats.org/presentationml/2006/main">
   <p:cSld>
+    <p:spTree>
+      <p:nvGrpSpPr>
+        <p:cNvPr id="1" name=""/>
+        <p:cNvGrpSpPr/>
+        <p:nvPr/>
+      </p:nvGrpSpPr>
+      <p:grpSpPr>
+        <a:xfrm>
+          <a:off x="0" y="0"/>
+          <a:ext cx="0" cy="0"/>
+          <a:chOff x="0" y="0"/>
+          <a:chExt cx="0" cy="0"/>
+        </a:xfrm>
+      </p:grpSpPr>
+      <p:sp>
+        <p:nvSpPr>
+          <p:cNvPr id="4" name="Plus Sign 3">
+            <a:extLst>
+              <a:ext uri="{FF2B5EF4-FFF2-40B4-BE49-F238E27FC236}">
+                <a16:creationId xmlns:a16="http://schemas.microsoft.com/office/drawing/2014/main" id="{9156D2F8-61D1-4261-9C7C-014C834AC4CE}"/>
+              </a:ext>
+            </a:extLst>
+          </p:cNvPr>
+          <p:cNvSpPr/>
+          <p:nvPr/>
+        </p:nvSpPr>
+        <p:spPr>
+          <a:xfrm>
+            <a:off x="5718048" y="3051048"/>
+            <a:ext cx="755904" cy="755904"/>
+          </a:xfrm>
+          <a:prstGeom prst="mathPlus">
+            <a:avLst>
+              <a:gd name="adj1" fmla="val 6637"/>
+            </a:avLst>
+          </a:prstGeom>
+        </p:spPr>
+        <p:style>
+          <a:lnRef idx="2">
+            <a:schemeClr val="dk1">
+              <a:shade val="50000"/>
+            </a:schemeClr>
+          </a:lnRef>
+          <a:fillRef idx="1">
+            <a:schemeClr val="dk1"/>
+          </a:fillRef>
+          <a:effectRef idx="0">
+            <a:schemeClr val="dk1"/>
+          </a:effectRef>
+          <a:fontRef idx="minor">
+            <a:schemeClr val="lt1"/>
+          </a:fontRef>
+        </p:style>
+        <p:txBody>
+          <a:bodyPr rtlCol="0" anchor="ctr"/>
+          <a:lstStyle/>
+          <a:p>
+            <a:pPr algn="ctr"/>
+            <a:endParaRPr lang="en-US"/>
+          </a:p>
+        </p:txBody>
+      </p:sp>
+    </p:spTree>
+    <p:extLst>
+      <p:ext uri="{BB962C8B-B14F-4D97-AF65-F5344CB8AC3E}">
+        <p14:creationId xmlns:p14="http://schemas.microsoft.com/office/powerpoint/2010/main" val="2070704072"/>
+      </p:ext>
+    </p:extLst>
+  </p:cSld>
+  <p:clrMapOvr>
+    <a:masterClrMapping/>
+  </p:clrMapOvr>
+</p:sld>
+</file>
+
+<file path=ppt/slides/slide9.xml><?xml version="1.0" encoding="utf-8"?>
+<p:sld xmlns:a="http://schemas.openxmlformats.org/drawingml/2006/main" xmlns:r="http://schemas.openxmlformats.org/officeDocument/2006/relationships" xmlns:p="http://schemas.openxmlformats.org/presentationml/2006/main">
+  <p:cSld>
     <p:bg>
       <p:bgPr>
         <a:solidFill>

--- a/Assets/StreamingAssets/2D_Objects/Farm/Instructions.pptx
+++ b/Assets/StreamingAssets/2D_Objects/Farm/Instructions.pptx
@@ -9,11 +9,13 @@
     <p:sldId id="258" r:id="rId3"/>
     <p:sldId id="257" r:id="rId4"/>
     <p:sldId id="264" r:id="rId5"/>
-    <p:sldId id="260" r:id="rId6"/>
-    <p:sldId id="262" r:id="rId7"/>
-    <p:sldId id="259" r:id="rId8"/>
-    <p:sldId id="265" r:id="rId9"/>
-    <p:sldId id="263" r:id="rId10"/>
+    <p:sldId id="266" r:id="rId6"/>
+    <p:sldId id="267" r:id="rId7"/>
+    <p:sldId id="260" r:id="rId8"/>
+    <p:sldId id="262" r:id="rId9"/>
+    <p:sldId id="259" r:id="rId10"/>
+    <p:sldId id="265" r:id="rId11"/>
+    <p:sldId id="263" r:id="rId12"/>
   </p:sldIdLst>
   <p:sldSz cx="12192000" cy="6858000"/>
   <p:notesSz cx="6858000" cy="9144000"/>
@@ -267,7 +269,7 @@
           <a:p>
             <a:fld id="{C924582D-B4F8-4A2F-8F4E-5936668585D1}" type="datetimeFigureOut">
               <a:rPr lang="en-US" smtClean="0"/>
-              <a:t>7/8/2020</a:t>
+              <a:t>7/13/2020</a:t>
             </a:fld>
             <a:endParaRPr lang="en-US"/>
           </a:p>
@@ -465,7 +467,7 @@
           <a:p>
             <a:fld id="{C924582D-B4F8-4A2F-8F4E-5936668585D1}" type="datetimeFigureOut">
               <a:rPr lang="en-US" smtClean="0"/>
-              <a:t>7/8/2020</a:t>
+              <a:t>7/13/2020</a:t>
             </a:fld>
             <a:endParaRPr lang="en-US"/>
           </a:p>
@@ -673,7 +675,7 @@
           <a:p>
             <a:fld id="{C924582D-B4F8-4A2F-8F4E-5936668585D1}" type="datetimeFigureOut">
               <a:rPr lang="en-US" smtClean="0"/>
-              <a:t>7/8/2020</a:t>
+              <a:t>7/13/2020</a:t>
             </a:fld>
             <a:endParaRPr lang="en-US"/>
           </a:p>
@@ -871,7 +873,7 @@
           <a:p>
             <a:fld id="{C924582D-B4F8-4A2F-8F4E-5936668585D1}" type="datetimeFigureOut">
               <a:rPr lang="en-US" smtClean="0"/>
-              <a:t>7/8/2020</a:t>
+              <a:t>7/13/2020</a:t>
             </a:fld>
             <a:endParaRPr lang="en-US"/>
           </a:p>
@@ -1146,7 +1148,7 @@
           <a:p>
             <a:fld id="{C924582D-B4F8-4A2F-8F4E-5936668585D1}" type="datetimeFigureOut">
               <a:rPr lang="en-US" smtClean="0"/>
-              <a:t>7/8/2020</a:t>
+              <a:t>7/13/2020</a:t>
             </a:fld>
             <a:endParaRPr lang="en-US"/>
           </a:p>
@@ -1411,7 +1413,7 @@
           <a:p>
             <a:fld id="{C924582D-B4F8-4A2F-8F4E-5936668585D1}" type="datetimeFigureOut">
               <a:rPr lang="en-US" smtClean="0"/>
-              <a:t>7/8/2020</a:t>
+              <a:t>7/13/2020</a:t>
             </a:fld>
             <a:endParaRPr lang="en-US"/>
           </a:p>
@@ -1823,7 +1825,7 @@
           <a:p>
             <a:fld id="{C924582D-B4F8-4A2F-8F4E-5936668585D1}" type="datetimeFigureOut">
               <a:rPr lang="en-US" smtClean="0"/>
-              <a:t>7/8/2020</a:t>
+              <a:t>7/13/2020</a:t>
             </a:fld>
             <a:endParaRPr lang="en-US"/>
           </a:p>
@@ -1964,7 +1966,7 @@
           <a:p>
             <a:fld id="{C924582D-B4F8-4A2F-8F4E-5936668585D1}" type="datetimeFigureOut">
               <a:rPr lang="en-US" smtClean="0"/>
-              <a:t>7/8/2020</a:t>
+              <a:t>7/13/2020</a:t>
             </a:fld>
             <a:endParaRPr lang="en-US"/>
           </a:p>
@@ -2077,7 +2079,7 @@
           <a:p>
             <a:fld id="{C924582D-B4F8-4A2F-8F4E-5936668585D1}" type="datetimeFigureOut">
               <a:rPr lang="en-US" smtClean="0"/>
-              <a:t>7/8/2020</a:t>
+              <a:t>7/13/2020</a:t>
             </a:fld>
             <a:endParaRPr lang="en-US"/>
           </a:p>
@@ -2388,7 +2390,7 @@
           <a:p>
             <a:fld id="{C924582D-B4F8-4A2F-8F4E-5936668585D1}" type="datetimeFigureOut">
               <a:rPr lang="en-US" smtClean="0"/>
-              <a:t>7/8/2020</a:t>
+              <a:t>7/13/2020</a:t>
             </a:fld>
             <a:endParaRPr lang="en-US"/>
           </a:p>
@@ -2676,7 +2678,7 @@
           <a:p>
             <a:fld id="{C924582D-B4F8-4A2F-8F4E-5936668585D1}" type="datetimeFigureOut">
               <a:rPr lang="en-US" smtClean="0"/>
-              <a:t>7/8/2020</a:t>
+              <a:t>7/13/2020</a:t>
             </a:fld>
             <a:endParaRPr lang="en-US"/>
           </a:p>
@@ -2917,7 +2919,7 @@
           <a:p>
             <a:fld id="{C924582D-B4F8-4A2F-8F4E-5936668585D1}" type="datetimeFigureOut">
               <a:rPr lang="en-US" smtClean="0"/>
-              <a:t>7/8/2020</a:t>
+              <a:t>7/13/2020</a:t>
             </a:fld>
             <a:endParaRPr lang="en-US"/>
           </a:p>
@@ -3462,6 +3464,267 @@
 </p:sld>
 </file>
 
+<file path=ppt/slides/slide10.xml><?xml version="1.0" encoding="utf-8"?>
+<p:sld xmlns:a="http://schemas.openxmlformats.org/drawingml/2006/main" xmlns:r="http://schemas.openxmlformats.org/officeDocument/2006/relationships" xmlns:p="http://schemas.openxmlformats.org/presentationml/2006/main">
+  <p:cSld>
+    <p:spTree>
+      <p:nvGrpSpPr>
+        <p:cNvPr id="1" name=""/>
+        <p:cNvGrpSpPr/>
+        <p:nvPr/>
+      </p:nvGrpSpPr>
+      <p:grpSpPr>
+        <a:xfrm>
+          <a:off x="0" y="0"/>
+          <a:ext cx="0" cy="0"/>
+          <a:chOff x="0" y="0"/>
+          <a:chExt cx="0" cy="0"/>
+        </a:xfrm>
+      </p:grpSpPr>
+      <p:sp>
+        <p:nvSpPr>
+          <p:cNvPr id="4" name="Plus Sign 3">
+            <a:extLst>
+              <a:ext uri="{FF2B5EF4-FFF2-40B4-BE49-F238E27FC236}">
+                <a16:creationId xmlns:a16="http://schemas.microsoft.com/office/drawing/2014/main" id="{9156D2F8-61D1-4261-9C7C-014C834AC4CE}"/>
+              </a:ext>
+            </a:extLst>
+          </p:cNvPr>
+          <p:cNvSpPr/>
+          <p:nvPr/>
+        </p:nvSpPr>
+        <p:spPr>
+          <a:xfrm>
+            <a:off x="5718048" y="3051048"/>
+            <a:ext cx="755904" cy="755904"/>
+          </a:xfrm>
+          <a:prstGeom prst="mathPlus">
+            <a:avLst>
+              <a:gd name="adj1" fmla="val 6637"/>
+            </a:avLst>
+          </a:prstGeom>
+        </p:spPr>
+        <p:style>
+          <a:lnRef idx="2">
+            <a:schemeClr val="dk1">
+              <a:shade val="50000"/>
+            </a:schemeClr>
+          </a:lnRef>
+          <a:fillRef idx="1">
+            <a:schemeClr val="dk1"/>
+          </a:fillRef>
+          <a:effectRef idx="0">
+            <a:schemeClr val="dk1"/>
+          </a:effectRef>
+          <a:fontRef idx="minor">
+            <a:schemeClr val="lt1"/>
+          </a:fontRef>
+        </p:style>
+        <p:txBody>
+          <a:bodyPr rtlCol="0" anchor="ctr"/>
+          <a:lstStyle/>
+          <a:p>
+            <a:pPr algn="ctr"/>
+            <a:endParaRPr lang="en-US"/>
+          </a:p>
+        </p:txBody>
+      </p:sp>
+    </p:spTree>
+    <p:extLst>
+      <p:ext uri="{BB962C8B-B14F-4D97-AF65-F5344CB8AC3E}">
+        <p14:creationId xmlns:p14="http://schemas.microsoft.com/office/powerpoint/2010/main" val="2070704072"/>
+      </p:ext>
+    </p:extLst>
+  </p:cSld>
+  <p:clrMapOvr>
+    <a:masterClrMapping/>
+  </p:clrMapOvr>
+</p:sld>
+</file>
+
+<file path=ppt/slides/slide11.xml><?xml version="1.0" encoding="utf-8"?>
+<p:sld xmlns:a="http://schemas.openxmlformats.org/drawingml/2006/main" xmlns:r="http://schemas.openxmlformats.org/officeDocument/2006/relationships" xmlns:p="http://schemas.openxmlformats.org/presentationml/2006/main">
+  <p:cSld>
+    <p:bg>
+      <p:bgPr>
+        <a:solidFill>
+          <a:srgbClr val="000000"/>
+        </a:solidFill>
+        <a:effectLst/>
+      </p:bgPr>
+    </p:bg>
+    <p:spTree>
+      <p:nvGrpSpPr>
+        <p:cNvPr id="1" name=""/>
+        <p:cNvGrpSpPr/>
+        <p:nvPr/>
+      </p:nvGrpSpPr>
+      <p:grpSpPr>
+        <a:xfrm>
+          <a:off x="0" y="0"/>
+          <a:ext cx="0" cy="0"/>
+          <a:chOff x="0" y="0"/>
+          <a:chExt cx="0" cy="0"/>
+        </a:xfrm>
+      </p:grpSpPr>
+      <p:sp>
+        <p:nvSpPr>
+          <p:cNvPr id="9" name="Rectangle 8">
+            <a:extLst>
+              <a:ext uri="{FF2B5EF4-FFF2-40B4-BE49-F238E27FC236}">
+                <a16:creationId xmlns:a16="http://schemas.microsoft.com/office/drawing/2014/main" id="{71B2258F-86CA-4D4D-8270-BC05FCDEBFB3}"/>
+              </a:ext>
+              <a:ext uri="{C183D7F6-B498-43B3-948B-1728B52AA6E4}">
+                <adec:decorative xmlns:adec="http://schemas.microsoft.com/office/drawing/2017/decorative" val="1"/>
+              </a:ext>
+            </a:extLst>
+          </p:cNvPr>
+          <p:cNvSpPr>
+            <a:spLocks noGrp="1" noRot="1" noChangeAspect="1" noMove="1" noResize="1" noEditPoints="1" noAdjustHandles="1" noChangeArrowheads="1" noChangeShapeType="1" noTextEdit="1"/>
+          </p:cNvSpPr>
+          <p:nvPr>
+            <p:extLst>
+              <p:ext uri="{386F3935-93C4-4BCD-93E2-E3B085C9AB24}">
+                <p16:designElem xmlns:p16="http://schemas.microsoft.com/office/powerpoint/2015/main" val="1"/>
+              </p:ext>
+            </p:extLst>
+          </p:nvPr>
+        </p:nvSpPr>
+        <p:spPr>
+          <a:xfrm>
+            <a:off x="0" y="0"/>
+            <a:ext cx="12192000" cy="6857999"/>
+          </a:xfrm>
+          <a:prstGeom prst="rect">
+            <a:avLst/>
+          </a:prstGeom>
+          <a:solidFill>
+            <a:srgbClr val="000000"/>
+          </a:solidFill>
+          <a:ln>
+            <a:noFill/>
+          </a:ln>
+        </p:spPr>
+        <p:style>
+          <a:lnRef idx="2">
+            <a:schemeClr val="accent1">
+              <a:shade val="50000"/>
+            </a:schemeClr>
+          </a:lnRef>
+          <a:fillRef idx="1">
+            <a:schemeClr val="accent1"/>
+          </a:fillRef>
+          <a:effectRef idx="0">
+            <a:schemeClr val="accent1"/>
+          </a:effectRef>
+          <a:fontRef idx="minor">
+            <a:schemeClr val="lt1"/>
+          </a:fontRef>
+        </p:style>
+        <p:txBody>
+          <a:bodyPr rtlCol="0" anchor="ctr"/>
+          <a:lstStyle/>
+          <a:p>
+            <a:pPr algn="ctr"/>
+            <a:endParaRPr lang="en-US"/>
+          </a:p>
+        </p:txBody>
+      </p:sp>
+      <p:pic>
+        <p:nvPicPr>
+          <p:cNvPr id="4" name="Picture 2" descr="Farm Clipart Vector Farm Clipart Farm Animals Clipart | Etsy">
+            <a:extLst>
+              <a:ext uri="{FF2B5EF4-FFF2-40B4-BE49-F238E27FC236}">
+                <a16:creationId xmlns:a16="http://schemas.microsoft.com/office/drawing/2014/main" id="{9EFDAAEB-A0BB-4437-8DDD-BD3622D5ACB3}"/>
+              </a:ext>
+            </a:extLst>
+          </p:cNvPr>
+          <p:cNvPicPr>
+            <a:picLocks noChangeAspect="1" noChangeArrowheads="1"/>
+          </p:cNvPicPr>
+          <p:nvPr/>
+        </p:nvPicPr>
+        <p:blipFill rotWithShape="1">
+          <a:blip r:embed="rId2">
+            <a:alphaModFix amt="50000"/>
+            <a:extLst>
+              <a:ext uri="{28A0092B-C50C-407E-A947-70E740481C1C}">
+                <a14:useLocalDpi xmlns:a14="http://schemas.microsoft.com/office/drawing/2010/main" val="0"/>
+              </a:ext>
+            </a:extLst>
+          </a:blip>
+          <a:srcRect t="3986" b="21014"/>
+          <a:stretch/>
+        </p:blipFill>
+        <p:spPr bwMode="auto">
+          <a:xfrm>
+            <a:off x="20" y="1"/>
+            <a:ext cx="12191980" cy="6857999"/>
+          </a:xfrm>
+          <a:prstGeom prst="rect">
+            <a:avLst/>
+          </a:prstGeom>
+          <a:noFill/>
+          <a:extLst>
+            <a:ext uri="{909E8E84-426E-40DD-AFC4-6F175D3DCCD1}">
+              <a14:hiddenFill xmlns:a14="http://schemas.microsoft.com/office/drawing/2010/main">
+                <a:solidFill>
+                  <a:srgbClr val="FFFFFF"/>
+                </a:solidFill>
+              </a14:hiddenFill>
+            </a:ext>
+          </a:extLst>
+        </p:spPr>
+      </p:pic>
+      <p:sp>
+        <p:nvSpPr>
+          <p:cNvPr id="2" name="Title 1">
+            <a:extLst>
+              <a:ext uri="{FF2B5EF4-FFF2-40B4-BE49-F238E27FC236}">
+                <a16:creationId xmlns:a16="http://schemas.microsoft.com/office/drawing/2014/main" id="{27D64B67-BE00-4EFF-B948-F3D6DD437CBC}"/>
+              </a:ext>
+            </a:extLst>
+          </p:cNvPr>
+          <p:cNvSpPr>
+            <a:spLocks noGrp="1"/>
+          </p:cNvSpPr>
+          <p:nvPr>
+            <p:ph type="title"/>
+          </p:nvPr>
+        </p:nvSpPr>
+        <p:spPr>
+          <a:xfrm>
+            <a:off x="1524000" y="1122362"/>
+            <a:ext cx="9144000" cy="2900518"/>
+          </a:xfrm>
+        </p:spPr>
+        <p:txBody>
+          <a:bodyPr vert="horz" lIns="91440" tIns="45720" rIns="91440" bIns="45720" rtlCol="0" anchor="b">
+            <a:normAutofit/>
+          </a:bodyPr>
+          <a:lstStyle/>
+          <a:p>
+            <a:pPr algn="ctr"/>
+            <a:r>
+              <a:rPr lang="en-US" sz="6000" b="1" dirty="0"/>
+              <a:t>Great job! You fed all the animals!</a:t>
+            </a:r>
+          </a:p>
+        </p:txBody>
+      </p:sp>
+    </p:spTree>
+    <p:extLst>
+      <p:ext uri="{BB962C8B-B14F-4D97-AF65-F5344CB8AC3E}">
+        <p14:creationId xmlns:p14="http://schemas.microsoft.com/office/powerpoint/2010/main" val="4083183574"/>
+      </p:ext>
+    </p:extLst>
+  </p:cSld>
+  <p:clrMapOvr>
+    <a:overrideClrMapping bg1="dk1" tx1="lt1" bg2="dk2" tx2="lt2" accent1="accent1" accent2="accent2" accent3="accent3" accent4="accent4" accent5="accent5" accent6="accent6" hlink="hlink" folHlink="folHlink"/>
+  </p:clrMapOvr>
+</p:sld>
+</file>
+
 <file path=ppt/slides/slide2.xml><?xml version="1.0" encoding="utf-8"?>
 <p:sld xmlns:a="http://schemas.openxmlformats.org/drawingml/2006/main" xmlns:r="http://schemas.openxmlformats.org/officeDocument/2006/relationships" xmlns:p="http://schemas.openxmlformats.org/presentationml/2006/main">
   <p:cSld>
@@ -4122,6 +4385,142 @@
 </file>
 
 <file path=ppt/slides/slide5.xml><?xml version="1.0" encoding="utf-8"?>
+<p:sld xmlns:a="http://schemas.openxmlformats.org/drawingml/2006/main" xmlns:r="http://schemas.openxmlformats.org/officeDocument/2006/relationships" xmlns:p="http://schemas.openxmlformats.org/presentationml/2006/main">
+  <p:cSld>
+    <p:spTree>
+      <p:nvGrpSpPr>
+        <p:cNvPr id="1" name=""/>
+        <p:cNvGrpSpPr/>
+        <p:nvPr/>
+      </p:nvGrpSpPr>
+      <p:grpSpPr>
+        <a:xfrm>
+          <a:off x="0" y="0"/>
+          <a:ext cx="0" cy="0"/>
+          <a:chOff x="0" y="0"/>
+          <a:chExt cx="0" cy="0"/>
+        </a:xfrm>
+      </p:grpSpPr>
+      <p:sp>
+        <p:nvSpPr>
+          <p:cNvPr id="2" name="Title 1">
+            <a:extLst>
+              <a:ext uri="{FF2B5EF4-FFF2-40B4-BE49-F238E27FC236}">
+                <a16:creationId xmlns:a16="http://schemas.microsoft.com/office/drawing/2014/main" id="{8A3CF5A5-DECB-4352-AEDC-BF8763D4B66C}"/>
+              </a:ext>
+            </a:extLst>
+          </p:cNvPr>
+          <p:cNvSpPr>
+            <a:spLocks noGrp="1"/>
+          </p:cNvSpPr>
+          <p:nvPr>
+            <p:ph type="title"/>
+          </p:nvPr>
+        </p:nvSpPr>
+        <p:spPr>
+          <a:xfrm>
+            <a:off x="966216" y="2766218"/>
+            <a:ext cx="10515600" cy="1325563"/>
+          </a:xfrm>
+        </p:spPr>
+        <p:txBody>
+          <a:bodyPr>
+            <a:normAutofit/>
+          </a:bodyPr>
+          <a:lstStyle/>
+          <a:p>
+            <a:pPr algn="ctr"/>
+            <a:r>
+              <a:rPr lang="en-US" sz="8000" b="1" dirty="0"/>
+              <a:t>10 Second Rounds</a:t>
+            </a:r>
+          </a:p>
+        </p:txBody>
+      </p:sp>
+    </p:spTree>
+    <p:extLst>
+      <p:ext uri="{BB962C8B-B14F-4D97-AF65-F5344CB8AC3E}">
+        <p14:creationId xmlns:p14="http://schemas.microsoft.com/office/powerpoint/2010/main" val="3470840309"/>
+      </p:ext>
+    </p:extLst>
+  </p:cSld>
+  <p:clrMapOvr>
+    <a:masterClrMapping/>
+  </p:clrMapOvr>
+</p:sld>
+</file>
+
+<file path=ppt/slides/slide6.xml><?xml version="1.0" encoding="utf-8"?>
+<p:sld xmlns:a="http://schemas.openxmlformats.org/drawingml/2006/main" xmlns:r="http://schemas.openxmlformats.org/officeDocument/2006/relationships" xmlns:p="http://schemas.openxmlformats.org/presentationml/2006/main">
+  <p:cSld>
+    <p:spTree>
+      <p:nvGrpSpPr>
+        <p:cNvPr id="1" name=""/>
+        <p:cNvGrpSpPr/>
+        <p:nvPr/>
+      </p:nvGrpSpPr>
+      <p:grpSpPr>
+        <a:xfrm>
+          <a:off x="0" y="0"/>
+          <a:ext cx="0" cy="0"/>
+          <a:chOff x="0" y="0"/>
+          <a:chExt cx="0" cy="0"/>
+        </a:xfrm>
+      </p:grpSpPr>
+      <p:sp>
+        <p:nvSpPr>
+          <p:cNvPr id="2" name="Title 1">
+            <a:extLst>
+              <a:ext uri="{FF2B5EF4-FFF2-40B4-BE49-F238E27FC236}">
+                <a16:creationId xmlns:a16="http://schemas.microsoft.com/office/drawing/2014/main" id="{8A3CF5A5-DECB-4352-AEDC-BF8763D4B66C}"/>
+              </a:ext>
+            </a:extLst>
+          </p:cNvPr>
+          <p:cNvSpPr>
+            <a:spLocks noGrp="1"/>
+          </p:cNvSpPr>
+          <p:nvPr>
+            <p:ph type="title"/>
+          </p:nvPr>
+        </p:nvSpPr>
+        <p:spPr>
+          <a:xfrm>
+            <a:off x="966216" y="2766218"/>
+            <a:ext cx="10515600" cy="1325563"/>
+          </a:xfrm>
+        </p:spPr>
+        <p:txBody>
+          <a:bodyPr>
+            <a:normAutofit/>
+          </a:bodyPr>
+          <a:lstStyle/>
+          <a:p>
+            <a:pPr algn="ctr"/>
+            <a:r>
+              <a:rPr lang="en-US" sz="8000" b="1"/>
+              <a:t>15 </a:t>
+            </a:r>
+            <a:r>
+              <a:rPr lang="en-US" sz="8000" b="1" dirty="0"/>
+              <a:t>Second Rounds</a:t>
+            </a:r>
+          </a:p>
+        </p:txBody>
+      </p:sp>
+    </p:spTree>
+    <p:extLst>
+      <p:ext uri="{BB962C8B-B14F-4D97-AF65-F5344CB8AC3E}">
+        <p14:creationId xmlns:p14="http://schemas.microsoft.com/office/powerpoint/2010/main" val="909878677"/>
+      </p:ext>
+    </p:extLst>
+  </p:cSld>
+  <p:clrMapOvr>
+    <a:masterClrMapping/>
+  </p:clrMapOvr>
+</p:sld>
+</file>
+
+<file path=ppt/slides/slide7.xml><?xml version="1.0" encoding="utf-8"?>
 <p:sld xmlns:a="http://schemas.openxmlformats.org/drawingml/2006/main" xmlns:r="http://schemas.openxmlformats.org/officeDocument/2006/relationships" xmlns:p="http://schemas.openxmlformats.org/presentationml/2006/main">
   <p:cSld>
     <p:bg>
@@ -4365,7 +4764,7 @@
 </p:sld>
 </file>
 
-<file path=ppt/slides/slide6.xml><?xml version="1.0" encoding="utf-8"?>
+<file path=ppt/slides/slide8.xml><?xml version="1.0" encoding="utf-8"?>
 <p:sld xmlns:a="http://schemas.openxmlformats.org/drawingml/2006/main" xmlns:r="http://schemas.openxmlformats.org/officeDocument/2006/relationships" xmlns:p="http://schemas.openxmlformats.org/presentationml/2006/main">
   <p:cSld>
     <p:bg>
@@ -4609,7 +5008,7 @@
 </p:sld>
 </file>
 
-<file path=ppt/slides/slide7.xml><?xml version="1.0" encoding="utf-8"?>
+<file path=ppt/slides/slide9.xml><?xml version="1.0" encoding="utf-8"?>
 <p:sld xmlns:a="http://schemas.openxmlformats.org/drawingml/2006/main" xmlns:r="http://schemas.openxmlformats.org/officeDocument/2006/relationships" xmlns:p="http://schemas.openxmlformats.org/presentationml/2006/main">
   <p:cSld>
     <p:bg>
@@ -4849,267 +5248,6 @@
   </p:cSld>
   <p:clrMapOvr>
     <a:masterClrMapping/>
-  </p:clrMapOvr>
-</p:sld>
-</file>
-
-<file path=ppt/slides/slide8.xml><?xml version="1.0" encoding="utf-8"?>
-<p:sld xmlns:a="http://schemas.openxmlformats.org/drawingml/2006/main" xmlns:r="http://schemas.openxmlformats.org/officeDocument/2006/relationships" xmlns:p="http://schemas.openxmlformats.org/presentationml/2006/main">
-  <p:cSld>
-    <p:spTree>
-      <p:nvGrpSpPr>
-        <p:cNvPr id="1" name=""/>
-        <p:cNvGrpSpPr/>
-        <p:nvPr/>
-      </p:nvGrpSpPr>
-      <p:grpSpPr>
-        <a:xfrm>
-          <a:off x="0" y="0"/>
-          <a:ext cx="0" cy="0"/>
-          <a:chOff x="0" y="0"/>
-          <a:chExt cx="0" cy="0"/>
-        </a:xfrm>
-      </p:grpSpPr>
-      <p:sp>
-        <p:nvSpPr>
-          <p:cNvPr id="4" name="Plus Sign 3">
-            <a:extLst>
-              <a:ext uri="{FF2B5EF4-FFF2-40B4-BE49-F238E27FC236}">
-                <a16:creationId xmlns:a16="http://schemas.microsoft.com/office/drawing/2014/main" id="{9156D2F8-61D1-4261-9C7C-014C834AC4CE}"/>
-              </a:ext>
-            </a:extLst>
-          </p:cNvPr>
-          <p:cNvSpPr/>
-          <p:nvPr/>
-        </p:nvSpPr>
-        <p:spPr>
-          <a:xfrm>
-            <a:off x="5718048" y="3051048"/>
-            <a:ext cx="755904" cy="755904"/>
-          </a:xfrm>
-          <a:prstGeom prst="mathPlus">
-            <a:avLst>
-              <a:gd name="adj1" fmla="val 6637"/>
-            </a:avLst>
-          </a:prstGeom>
-        </p:spPr>
-        <p:style>
-          <a:lnRef idx="2">
-            <a:schemeClr val="dk1">
-              <a:shade val="50000"/>
-            </a:schemeClr>
-          </a:lnRef>
-          <a:fillRef idx="1">
-            <a:schemeClr val="dk1"/>
-          </a:fillRef>
-          <a:effectRef idx="0">
-            <a:schemeClr val="dk1"/>
-          </a:effectRef>
-          <a:fontRef idx="minor">
-            <a:schemeClr val="lt1"/>
-          </a:fontRef>
-        </p:style>
-        <p:txBody>
-          <a:bodyPr rtlCol="0" anchor="ctr"/>
-          <a:lstStyle/>
-          <a:p>
-            <a:pPr algn="ctr"/>
-            <a:endParaRPr lang="en-US"/>
-          </a:p>
-        </p:txBody>
-      </p:sp>
-    </p:spTree>
-    <p:extLst>
-      <p:ext uri="{BB962C8B-B14F-4D97-AF65-F5344CB8AC3E}">
-        <p14:creationId xmlns:p14="http://schemas.microsoft.com/office/powerpoint/2010/main" val="2070704072"/>
-      </p:ext>
-    </p:extLst>
-  </p:cSld>
-  <p:clrMapOvr>
-    <a:masterClrMapping/>
-  </p:clrMapOvr>
-</p:sld>
-</file>
-
-<file path=ppt/slides/slide9.xml><?xml version="1.0" encoding="utf-8"?>
-<p:sld xmlns:a="http://schemas.openxmlformats.org/drawingml/2006/main" xmlns:r="http://schemas.openxmlformats.org/officeDocument/2006/relationships" xmlns:p="http://schemas.openxmlformats.org/presentationml/2006/main">
-  <p:cSld>
-    <p:bg>
-      <p:bgPr>
-        <a:solidFill>
-          <a:srgbClr val="000000"/>
-        </a:solidFill>
-        <a:effectLst/>
-      </p:bgPr>
-    </p:bg>
-    <p:spTree>
-      <p:nvGrpSpPr>
-        <p:cNvPr id="1" name=""/>
-        <p:cNvGrpSpPr/>
-        <p:nvPr/>
-      </p:nvGrpSpPr>
-      <p:grpSpPr>
-        <a:xfrm>
-          <a:off x="0" y="0"/>
-          <a:ext cx="0" cy="0"/>
-          <a:chOff x="0" y="0"/>
-          <a:chExt cx="0" cy="0"/>
-        </a:xfrm>
-      </p:grpSpPr>
-      <p:sp>
-        <p:nvSpPr>
-          <p:cNvPr id="9" name="Rectangle 8">
-            <a:extLst>
-              <a:ext uri="{FF2B5EF4-FFF2-40B4-BE49-F238E27FC236}">
-                <a16:creationId xmlns:a16="http://schemas.microsoft.com/office/drawing/2014/main" id="{71B2258F-86CA-4D4D-8270-BC05FCDEBFB3}"/>
-              </a:ext>
-              <a:ext uri="{C183D7F6-B498-43B3-948B-1728B52AA6E4}">
-                <adec:decorative xmlns:adec="http://schemas.microsoft.com/office/drawing/2017/decorative" val="1"/>
-              </a:ext>
-            </a:extLst>
-          </p:cNvPr>
-          <p:cNvSpPr>
-            <a:spLocks noGrp="1" noRot="1" noChangeAspect="1" noMove="1" noResize="1" noEditPoints="1" noAdjustHandles="1" noChangeArrowheads="1" noChangeShapeType="1" noTextEdit="1"/>
-          </p:cNvSpPr>
-          <p:nvPr>
-            <p:extLst>
-              <p:ext uri="{386F3935-93C4-4BCD-93E2-E3B085C9AB24}">
-                <p16:designElem xmlns:p16="http://schemas.microsoft.com/office/powerpoint/2015/main" val="1"/>
-              </p:ext>
-            </p:extLst>
-          </p:nvPr>
-        </p:nvSpPr>
-        <p:spPr>
-          <a:xfrm>
-            <a:off x="0" y="0"/>
-            <a:ext cx="12192000" cy="6857999"/>
-          </a:xfrm>
-          <a:prstGeom prst="rect">
-            <a:avLst/>
-          </a:prstGeom>
-          <a:solidFill>
-            <a:srgbClr val="000000"/>
-          </a:solidFill>
-          <a:ln>
-            <a:noFill/>
-          </a:ln>
-        </p:spPr>
-        <p:style>
-          <a:lnRef idx="2">
-            <a:schemeClr val="accent1">
-              <a:shade val="50000"/>
-            </a:schemeClr>
-          </a:lnRef>
-          <a:fillRef idx="1">
-            <a:schemeClr val="accent1"/>
-          </a:fillRef>
-          <a:effectRef idx="0">
-            <a:schemeClr val="accent1"/>
-          </a:effectRef>
-          <a:fontRef idx="minor">
-            <a:schemeClr val="lt1"/>
-          </a:fontRef>
-        </p:style>
-        <p:txBody>
-          <a:bodyPr rtlCol="0" anchor="ctr"/>
-          <a:lstStyle/>
-          <a:p>
-            <a:pPr algn="ctr"/>
-            <a:endParaRPr lang="en-US"/>
-          </a:p>
-        </p:txBody>
-      </p:sp>
-      <p:pic>
-        <p:nvPicPr>
-          <p:cNvPr id="4" name="Picture 2" descr="Farm Clipart Vector Farm Clipart Farm Animals Clipart | Etsy">
-            <a:extLst>
-              <a:ext uri="{FF2B5EF4-FFF2-40B4-BE49-F238E27FC236}">
-                <a16:creationId xmlns:a16="http://schemas.microsoft.com/office/drawing/2014/main" id="{9EFDAAEB-A0BB-4437-8DDD-BD3622D5ACB3}"/>
-              </a:ext>
-            </a:extLst>
-          </p:cNvPr>
-          <p:cNvPicPr>
-            <a:picLocks noChangeAspect="1" noChangeArrowheads="1"/>
-          </p:cNvPicPr>
-          <p:nvPr/>
-        </p:nvPicPr>
-        <p:blipFill rotWithShape="1">
-          <a:blip r:embed="rId2">
-            <a:alphaModFix amt="50000"/>
-            <a:extLst>
-              <a:ext uri="{28A0092B-C50C-407E-A947-70E740481C1C}">
-                <a14:useLocalDpi xmlns:a14="http://schemas.microsoft.com/office/drawing/2010/main" val="0"/>
-              </a:ext>
-            </a:extLst>
-          </a:blip>
-          <a:srcRect t="3986" b="21014"/>
-          <a:stretch/>
-        </p:blipFill>
-        <p:spPr bwMode="auto">
-          <a:xfrm>
-            <a:off x="20" y="1"/>
-            <a:ext cx="12191980" cy="6857999"/>
-          </a:xfrm>
-          <a:prstGeom prst="rect">
-            <a:avLst/>
-          </a:prstGeom>
-          <a:noFill/>
-          <a:extLst>
-            <a:ext uri="{909E8E84-426E-40DD-AFC4-6F175D3DCCD1}">
-              <a14:hiddenFill xmlns:a14="http://schemas.microsoft.com/office/drawing/2010/main">
-                <a:solidFill>
-                  <a:srgbClr val="FFFFFF"/>
-                </a:solidFill>
-              </a14:hiddenFill>
-            </a:ext>
-          </a:extLst>
-        </p:spPr>
-      </p:pic>
-      <p:sp>
-        <p:nvSpPr>
-          <p:cNvPr id="2" name="Title 1">
-            <a:extLst>
-              <a:ext uri="{FF2B5EF4-FFF2-40B4-BE49-F238E27FC236}">
-                <a16:creationId xmlns:a16="http://schemas.microsoft.com/office/drawing/2014/main" id="{27D64B67-BE00-4EFF-B948-F3D6DD437CBC}"/>
-              </a:ext>
-            </a:extLst>
-          </p:cNvPr>
-          <p:cNvSpPr>
-            <a:spLocks noGrp="1"/>
-          </p:cNvSpPr>
-          <p:nvPr>
-            <p:ph type="title"/>
-          </p:nvPr>
-        </p:nvSpPr>
-        <p:spPr>
-          <a:xfrm>
-            <a:off x="1524000" y="1122362"/>
-            <a:ext cx="9144000" cy="2900518"/>
-          </a:xfrm>
-        </p:spPr>
-        <p:txBody>
-          <a:bodyPr vert="horz" lIns="91440" tIns="45720" rIns="91440" bIns="45720" rtlCol="0" anchor="b">
-            <a:normAutofit/>
-          </a:bodyPr>
-          <a:lstStyle/>
-          <a:p>
-            <a:pPr algn="ctr"/>
-            <a:r>
-              <a:rPr lang="en-US" sz="6000" b="1" dirty="0"/>
-              <a:t>Great job! You fed all the animals!</a:t>
-            </a:r>
-          </a:p>
-        </p:txBody>
-      </p:sp>
-    </p:spTree>
-    <p:extLst>
-      <p:ext uri="{BB962C8B-B14F-4D97-AF65-F5344CB8AC3E}">
-        <p14:creationId xmlns:p14="http://schemas.microsoft.com/office/powerpoint/2010/main" val="4083183574"/>
-      </p:ext>
-    </p:extLst>
-  </p:cSld>
-  <p:clrMapOvr>
-    <a:overrideClrMapping bg1="dk1" tx1="lt1" bg2="dk2" tx2="lt2" accent1="accent1" accent2="accent2" accent3="accent3" accent4="accent4" accent5="accent5" accent6="accent6" hlink="hlink" folHlink="folHlink"/>
   </p:clrMapOvr>
 </p:sld>
 </file>
